--- a/src/components/Resume.pptx
+++ b/src/components/Resume.pptx
@@ -1,11 +1,11 @@
 
 <file path=ppt/presentation.xml><?xml version="1.0" encoding="utf-8"?>
-<p:presentation xmlns:a="http://schemas.openxmlformats.org/drawingml/2006/main" xmlns:r="http://schemas.openxmlformats.org/officeDocument/2006/relationships" xmlns:p="http://schemas.openxmlformats.org/presentationml/2006/main" saveSubsetFonts="1">
+<p:presentation xmlns:a="http://schemas.openxmlformats.org/drawingml/2006/main" xmlns:r="http://schemas.openxmlformats.org/officeDocument/2006/relationships" xmlns:p="http://schemas.openxmlformats.org/presentationml/2006/main">
   <p:sldMasterIdLst>
-    <p:sldMasterId id="2147483720" r:id="rId1"/>
+    <p:sldMasterId id="2147483648" r:id="rId1"/>
   </p:sldMasterIdLst>
   <p:sldIdLst>
-    <p:sldId id="256" r:id="rId2"/>
+    <p:sldId id="256" r:id="rId3"/>
   </p:sldIdLst>
   <p:sldSz cx="15300325" cy="18900775"/>
   <p:notesSz cx="6858000" cy="9144000"/>
@@ -114,9 +114,6 @@
         </p14:section>
       </p14:sectionLst>
     </p:ext>
-    <p:ext uri="{EFAFB233-063F-42B5-8137-9DF3F51BA10A}">
-      <p15:sldGuideLst xmlns:p15="http://schemas.microsoft.com/office/powerpoint/2012/main"/>
-    </p:ext>
   </p:extLst>
 </p:presentation>
 </file>
@@ -191,39 +188,39 @@
           <a:lstStyle>
             <a:lvl1pPr marL="0" indent="0" algn="ctr">
               <a:buNone/>
-              <a:defRPr sz="4016"/>
+              <a:defRPr sz="4015"/>
             </a:lvl1pPr>
-            <a:lvl2pPr marL="765033" indent="0" algn="ctr">
-              <a:buNone/>
-              <a:defRPr sz="3347"/>
+            <a:lvl2pPr marL="765175" indent="0" algn="ctr">
+              <a:buNone/>
+              <a:defRPr sz="3345"/>
             </a:lvl2pPr>
-            <a:lvl3pPr marL="1530066" indent="0" algn="ctr">
-              <a:buNone/>
-              <a:defRPr sz="3012"/>
+            <a:lvl3pPr marL="1530350" indent="0" algn="ctr">
+              <a:buNone/>
+              <a:defRPr sz="3010"/>
             </a:lvl3pPr>
-            <a:lvl4pPr marL="2295098" indent="0" algn="ctr">
-              <a:buNone/>
-              <a:defRPr sz="2677"/>
+            <a:lvl4pPr marL="2294890" indent="0" algn="ctr">
+              <a:buNone/>
+              <a:defRPr sz="2675"/>
             </a:lvl4pPr>
-            <a:lvl5pPr marL="3060131" indent="0" algn="ctr">
-              <a:buNone/>
-              <a:defRPr sz="2677"/>
+            <a:lvl5pPr marL="3060065" indent="0" algn="ctr">
+              <a:buNone/>
+              <a:defRPr sz="2675"/>
             </a:lvl5pPr>
-            <a:lvl6pPr marL="3825164" indent="0" algn="ctr">
-              <a:buNone/>
-              <a:defRPr sz="2677"/>
+            <a:lvl6pPr marL="3825240" indent="0" algn="ctr">
+              <a:buNone/>
+              <a:defRPr sz="2675"/>
             </a:lvl6pPr>
-            <a:lvl7pPr marL="4590197" indent="0" algn="ctr">
-              <a:buNone/>
-              <a:defRPr sz="2677"/>
+            <a:lvl7pPr marL="4590415" indent="0" algn="ctr">
+              <a:buNone/>
+              <a:defRPr sz="2675"/>
             </a:lvl7pPr>
-            <a:lvl8pPr marL="5355229" indent="0" algn="ctr">
-              <a:buNone/>
-              <a:defRPr sz="2677"/>
+            <a:lvl8pPr marL="5354955" indent="0" algn="ctr">
+              <a:buNone/>
+              <a:defRPr sz="2675"/>
             </a:lvl8pPr>
-            <a:lvl9pPr marL="6120262" indent="0" algn="ctr">
-              <a:buNone/>
-              <a:defRPr sz="2677"/>
+            <a:lvl9pPr marL="6120130" indent="0" algn="ctr">
+              <a:buNone/>
+              <a:defRPr sz="2675"/>
             </a:lvl9pPr>
           </a:lstStyle>
           <a:p>
@@ -252,7 +249,6 @@
           <a:p>
             <a:fld id="{68E48915-0A4D-4805-81D4-E38422F4F74A}" type="datetimeFigureOut">
               <a:rPr lang="en-IN" smtClean="0"/>
-              <a:t>08-05-2022</a:t>
             </a:fld>
             <a:endParaRPr lang="en-IN"/>
           </a:p>
@@ -294,18 +290,12 @@
           <a:p>
             <a:fld id="{A68D20A3-0947-4B9B-87D6-F5920A7F179E}" type="slidenum">
               <a:rPr lang="en-IN" smtClean="0"/>
-              <a:t>‹#›</a:t>
             </a:fld>
             <a:endParaRPr lang="en-IN"/>
           </a:p>
         </p:txBody>
       </p:sp>
     </p:spTree>
-    <p:extLst>
-      <p:ext uri="{BB962C8B-B14F-4D97-AF65-F5344CB8AC3E}">
-        <p14:creationId xmlns:p14="http://schemas.microsoft.com/office/powerpoint/2010/main" val="2584362642"/>
-      </p:ext>
-    </p:extLst>
   </p:cSld>
   <p:clrMapOvr>
     <a:masterClrMapping/>
@@ -373,6 +363,7 @@
               <a:rPr lang="en-US"/>
               <a:t>Click to edit Master text styles</a:t>
             </a:r>
+            <a:endParaRPr lang="en-US"/>
           </a:p>
           <a:p>
             <a:pPr lvl="1"/>
@@ -380,6 +371,7 @@
               <a:rPr lang="en-US"/>
               <a:t>Second level</a:t>
             </a:r>
+            <a:endParaRPr lang="en-US"/>
           </a:p>
           <a:p>
             <a:pPr lvl="2"/>
@@ -387,6 +379,7 @@
               <a:rPr lang="en-US"/>
               <a:t>Third level</a:t>
             </a:r>
+            <a:endParaRPr lang="en-US"/>
           </a:p>
           <a:p>
             <a:pPr lvl="3"/>
@@ -394,6 +387,7 @@
               <a:rPr lang="en-US"/>
               <a:t>Fourth level</a:t>
             </a:r>
+            <a:endParaRPr lang="en-US"/>
           </a:p>
           <a:p>
             <a:pPr lvl="4"/>
@@ -422,7 +416,6 @@
           <a:p>
             <a:fld id="{68E48915-0A4D-4805-81D4-E38422F4F74A}" type="datetimeFigureOut">
               <a:rPr lang="en-IN" smtClean="0"/>
-              <a:t>08-05-2022</a:t>
             </a:fld>
             <a:endParaRPr lang="en-IN"/>
           </a:p>
@@ -464,18 +457,12 @@
           <a:p>
             <a:fld id="{A68D20A3-0947-4B9B-87D6-F5920A7F179E}" type="slidenum">
               <a:rPr lang="en-IN" smtClean="0"/>
-              <a:t>‹#›</a:t>
             </a:fld>
             <a:endParaRPr lang="en-IN"/>
           </a:p>
         </p:txBody>
       </p:sp>
     </p:spTree>
-    <p:extLst>
-      <p:ext uri="{BB962C8B-B14F-4D97-AF65-F5344CB8AC3E}">
-        <p14:creationId xmlns:p14="http://schemas.microsoft.com/office/powerpoint/2010/main" val="3541880099"/>
-      </p:ext>
-    </p:extLst>
   </p:cSld>
   <p:clrMapOvr>
     <a:masterClrMapping/>
@@ -553,6 +540,7 @@
               <a:rPr lang="en-US"/>
               <a:t>Click to edit Master text styles</a:t>
             </a:r>
+            <a:endParaRPr lang="en-US"/>
           </a:p>
           <a:p>
             <a:pPr lvl="1"/>
@@ -560,6 +548,7 @@
               <a:rPr lang="en-US"/>
               <a:t>Second level</a:t>
             </a:r>
+            <a:endParaRPr lang="en-US"/>
           </a:p>
           <a:p>
             <a:pPr lvl="2"/>
@@ -567,6 +556,7 @@
               <a:rPr lang="en-US"/>
               <a:t>Third level</a:t>
             </a:r>
+            <a:endParaRPr lang="en-US"/>
           </a:p>
           <a:p>
             <a:pPr lvl="3"/>
@@ -574,6 +564,7 @@
               <a:rPr lang="en-US"/>
               <a:t>Fourth level</a:t>
             </a:r>
+            <a:endParaRPr lang="en-US"/>
           </a:p>
           <a:p>
             <a:pPr lvl="4"/>
@@ -602,7 +593,6 @@
           <a:p>
             <a:fld id="{68E48915-0A4D-4805-81D4-E38422F4F74A}" type="datetimeFigureOut">
               <a:rPr lang="en-IN" smtClean="0"/>
-              <a:t>08-05-2022</a:t>
             </a:fld>
             <a:endParaRPr lang="en-IN"/>
           </a:p>
@@ -644,18 +634,12 @@
           <a:p>
             <a:fld id="{A68D20A3-0947-4B9B-87D6-F5920A7F179E}" type="slidenum">
               <a:rPr lang="en-IN" smtClean="0"/>
-              <a:t>‹#›</a:t>
             </a:fld>
             <a:endParaRPr lang="en-IN"/>
           </a:p>
         </p:txBody>
       </p:sp>
     </p:spTree>
-    <p:extLst>
-      <p:ext uri="{BB962C8B-B14F-4D97-AF65-F5344CB8AC3E}">
-        <p14:creationId xmlns:p14="http://schemas.microsoft.com/office/powerpoint/2010/main" val="3548902340"/>
-      </p:ext>
-    </p:extLst>
   </p:cSld>
   <p:clrMapOvr>
     <a:masterClrMapping/>
@@ -723,6 +707,7 @@
               <a:rPr lang="en-US"/>
               <a:t>Click to edit Master text styles</a:t>
             </a:r>
+            <a:endParaRPr lang="en-US"/>
           </a:p>
           <a:p>
             <a:pPr lvl="1"/>
@@ -730,6 +715,7 @@
               <a:rPr lang="en-US"/>
               <a:t>Second level</a:t>
             </a:r>
+            <a:endParaRPr lang="en-US"/>
           </a:p>
           <a:p>
             <a:pPr lvl="2"/>
@@ -737,6 +723,7 @@
               <a:rPr lang="en-US"/>
               <a:t>Third level</a:t>
             </a:r>
+            <a:endParaRPr lang="en-US"/>
           </a:p>
           <a:p>
             <a:pPr lvl="3"/>
@@ -744,6 +731,7 @@
               <a:rPr lang="en-US"/>
               <a:t>Fourth level</a:t>
             </a:r>
+            <a:endParaRPr lang="en-US"/>
           </a:p>
           <a:p>
             <a:pPr lvl="4"/>
@@ -772,7 +760,6 @@
           <a:p>
             <a:fld id="{68E48915-0A4D-4805-81D4-E38422F4F74A}" type="datetimeFigureOut">
               <a:rPr lang="en-IN" smtClean="0"/>
-              <a:t>08-05-2022</a:t>
             </a:fld>
             <a:endParaRPr lang="en-IN"/>
           </a:p>
@@ -814,18 +801,12 @@
           <a:p>
             <a:fld id="{A68D20A3-0947-4B9B-87D6-F5920A7F179E}" type="slidenum">
               <a:rPr lang="en-IN" smtClean="0"/>
-              <a:t>‹#›</a:t>
             </a:fld>
             <a:endParaRPr lang="en-IN"/>
           </a:p>
         </p:txBody>
       </p:sp>
     </p:spTree>
-    <p:extLst>
-      <p:ext uri="{BB962C8B-B14F-4D97-AF65-F5344CB8AC3E}">
-        <p14:creationId xmlns:p14="http://schemas.microsoft.com/office/powerpoint/2010/main" val="963818212"/>
-      </p:ext>
-    </p:extLst>
   </p:cSld>
   <p:clrMapOvr>
     <a:masterClrMapping/>
@@ -903,15 +884,15 @@
           <a:lstStyle>
             <a:lvl1pPr marL="0" indent="0">
               <a:buNone/>
-              <a:defRPr sz="4016">
+              <a:defRPr sz="4015">
                 <a:solidFill>
                   <a:schemeClr val="tx1"/>
                 </a:solidFill>
               </a:defRPr>
             </a:lvl1pPr>
-            <a:lvl2pPr marL="765033" indent="0">
-              <a:buNone/>
-              <a:defRPr sz="3347">
+            <a:lvl2pPr marL="765175" indent="0">
+              <a:buNone/>
+              <a:defRPr sz="3345">
                 <a:solidFill>
                   <a:schemeClr val="tx1">
                     <a:tint val="75000"/>
@@ -919,9 +900,9 @@
                 </a:solidFill>
               </a:defRPr>
             </a:lvl2pPr>
-            <a:lvl3pPr marL="1530066" indent="0">
-              <a:buNone/>
-              <a:defRPr sz="3012">
+            <a:lvl3pPr marL="1530350" indent="0">
+              <a:buNone/>
+              <a:defRPr sz="3010">
                 <a:solidFill>
                   <a:schemeClr val="tx1">
                     <a:tint val="75000"/>
@@ -929,9 +910,9 @@
                 </a:solidFill>
               </a:defRPr>
             </a:lvl3pPr>
-            <a:lvl4pPr marL="2295098" indent="0">
-              <a:buNone/>
-              <a:defRPr sz="2677">
+            <a:lvl4pPr marL="2294890" indent="0">
+              <a:buNone/>
+              <a:defRPr sz="2675">
                 <a:solidFill>
                   <a:schemeClr val="tx1">
                     <a:tint val="75000"/>
@@ -939,9 +920,9 @@
                 </a:solidFill>
               </a:defRPr>
             </a:lvl4pPr>
-            <a:lvl5pPr marL="3060131" indent="0">
-              <a:buNone/>
-              <a:defRPr sz="2677">
+            <a:lvl5pPr marL="3060065" indent="0">
+              <a:buNone/>
+              <a:defRPr sz="2675">
                 <a:solidFill>
                   <a:schemeClr val="tx1">
                     <a:tint val="75000"/>
@@ -949,9 +930,9 @@
                 </a:solidFill>
               </a:defRPr>
             </a:lvl5pPr>
-            <a:lvl6pPr marL="3825164" indent="0">
-              <a:buNone/>
-              <a:defRPr sz="2677">
+            <a:lvl6pPr marL="3825240" indent="0">
+              <a:buNone/>
+              <a:defRPr sz="2675">
                 <a:solidFill>
                   <a:schemeClr val="tx1">
                     <a:tint val="75000"/>
@@ -959,9 +940,9 @@
                 </a:solidFill>
               </a:defRPr>
             </a:lvl6pPr>
-            <a:lvl7pPr marL="4590197" indent="0">
-              <a:buNone/>
-              <a:defRPr sz="2677">
+            <a:lvl7pPr marL="4590415" indent="0">
+              <a:buNone/>
+              <a:defRPr sz="2675">
                 <a:solidFill>
                   <a:schemeClr val="tx1">
                     <a:tint val="75000"/>
@@ -969,9 +950,9 @@
                 </a:solidFill>
               </a:defRPr>
             </a:lvl7pPr>
-            <a:lvl8pPr marL="5355229" indent="0">
-              <a:buNone/>
-              <a:defRPr sz="2677">
+            <a:lvl8pPr marL="5354955" indent="0">
+              <a:buNone/>
+              <a:defRPr sz="2675">
                 <a:solidFill>
                   <a:schemeClr val="tx1">
                     <a:tint val="75000"/>
@@ -979,9 +960,9 @@
                 </a:solidFill>
               </a:defRPr>
             </a:lvl8pPr>
-            <a:lvl9pPr marL="6120262" indent="0">
-              <a:buNone/>
-              <a:defRPr sz="2677">
+            <a:lvl9pPr marL="6120130" indent="0">
+              <a:buNone/>
+              <a:defRPr sz="2675">
                 <a:solidFill>
                   <a:schemeClr val="tx1">
                     <a:tint val="75000"/>
@@ -996,6 +977,7 @@
               <a:rPr lang="en-US"/>
               <a:t>Click to edit Master text styles</a:t>
             </a:r>
+            <a:endParaRPr lang="en-US"/>
           </a:p>
         </p:txBody>
       </p:sp>
@@ -1016,7 +998,6 @@
           <a:p>
             <a:fld id="{68E48915-0A4D-4805-81D4-E38422F4F74A}" type="datetimeFigureOut">
               <a:rPr lang="en-IN" smtClean="0"/>
-              <a:t>08-05-2022</a:t>
             </a:fld>
             <a:endParaRPr lang="en-IN"/>
           </a:p>
@@ -1058,18 +1039,12 @@
           <a:p>
             <a:fld id="{A68D20A3-0947-4B9B-87D6-F5920A7F179E}" type="slidenum">
               <a:rPr lang="en-IN" smtClean="0"/>
-              <a:t>‹#›</a:t>
             </a:fld>
             <a:endParaRPr lang="en-IN"/>
           </a:p>
         </p:txBody>
       </p:sp>
     </p:spTree>
-    <p:extLst>
-      <p:ext uri="{BB962C8B-B14F-4D97-AF65-F5344CB8AC3E}">
-        <p14:creationId xmlns:p14="http://schemas.microsoft.com/office/powerpoint/2010/main" val="3634409947"/>
-      </p:ext>
-    </p:extLst>
   </p:cSld>
   <p:clrMapOvr>
     <a:masterClrMapping/>
@@ -1142,6 +1117,7 @@
               <a:rPr lang="en-US"/>
               <a:t>Click to edit Master text styles</a:t>
             </a:r>
+            <a:endParaRPr lang="en-US"/>
           </a:p>
           <a:p>
             <a:pPr lvl="1"/>
@@ -1149,6 +1125,7 @@
               <a:rPr lang="en-US"/>
               <a:t>Second level</a:t>
             </a:r>
+            <a:endParaRPr lang="en-US"/>
           </a:p>
           <a:p>
             <a:pPr lvl="2"/>
@@ -1156,6 +1133,7 @@
               <a:rPr lang="en-US"/>
               <a:t>Third level</a:t>
             </a:r>
+            <a:endParaRPr lang="en-US"/>
           </a:p>
           <a:p>
             <a:pPr lvl="3"/>
@@ -1163,6 +1141,7 @@
               <a:rPr lang="en-US"/>
               <a:t>Fourth level</a:t>
             </a:r>
+            <a:endParaRPr lang="en-US"/>
           </a:p>
           <a:p>
             <a:pPr lvl="4"/>
@@ -1199,6 +1178,7 @@
               <a:rPr lang="en-US"/>
               <a:t>Click to edit Master text styles</a:t>
             </a:r>
+            <a:endParaRPr lang="en-US"/>
           </a:p>
           <a:p>
             <a:pPr lvl="1"/>
@@ -1206,6 +1186,7 @@
               <a:rPr lang="en-US"/>
               <a:t>Second level</a:t>
             </a:r>
+            <a:endParaRPr lang="en-US"/>
           </a:p>
           <a:p>
             <a:pPr lvl="2"/>
@@ -1213,6 +1194,7 @@
               <a:rPr lang="en-US"/>
               <a:t>Third level</a:t>
             </a:r>
+            <a:endParaRPr lang="en-US"/>
           </a:p>
           <a:p>
             <a:pPr lvl="3"/>
@@ -1220,6 +1202,7 @@
               <a:rPr lang="en-US"/>
               <a:t>Fourth level</a:t>
             </a:r>
+            <a:endParaRPr lang="en-US"/>
           </a:p>
           <a:p>
             <a:pPr lvl="4"/>
@@ -1248,7 +1231,6 @@
           <a:p>
             <a:fld id="{68E48915-0A4D-4805-81D4-E38422F4F74A}" type="datetimeFigureOut">
               <a:rPr lang="en-IN" smtClean="0"/>
-              <a:t>08-05-2022</a:t>
             </a:fld>
             <a:endParaRPr lang="en-IN"/>
           </a:p>
@@ -1290,18 +1272,12 @@
           <a:p>
             <a:fld id="{A68D20A3-0947-4B9B-87D6-F5920A7F179E}" type="slidenum">
               <a:rPr lang="en-IN" smtClean="0"/>
-              <a:t>‹#›</a:t>
             </a:fld>
             <a:endParaRPr lang="en-IN"/>
           </a:p>
         </p:txBody>
       </p:sp>
     </p:spTree>
-    <p:extLst>
-      <p:ext uri="{BB962C8B-B14F-4D97-AF65-F5344CB8AC3E}">
-        <p14:creationId xmlns:p14="http://schemas.microsoft.com/office/powerpoint/2010/main" val="2472221760"/>
-      </p:ext>
-    </p:extLst>
   </p:cSld>
   <p:clrMapOvr>
     <a:masterClrMapping/>
@@ -1375,39 +1351,39 @@
           <a:lstStyle>
             <a:lvl1pPr marL="0" indent="0">
               <a:buNone/>
-              <a:defRPr sz="4016" b="1"/>
+              <a:defRPr sz="4015" b="1"/>
             </a:lvl1pPr>
-            <a:lvl2pPr marL="765033" indent="0">
-              <a:buNone/>
-              <a:defRPr sz="3347" b="1"/>
+            <a:lvl2pPr marL="765175" indent="0">
+              <a:buNone/>
+              <a:defRPr sz="3345" b="1"/>
             </a:lvl2pPr>
-            <a:lvl3pPr marL="1530066" indent="0">
-              <a:buNone/>
-              <a:defRPr sz="3012" b="1"/>
+            <a:lvl3pPr marL="1530350" indent="0">
+              <a:buNone/>
+              <a:defRPr sz="3010" b="1"/>
             </a:lvl3pPr>
-            <a:lvl4pPr marL="2295098" indent="0">
-              <a:buNone/>
-              <a:defRPr sz="2677" b="1"/>
+            <a:lvl4pPr marL="2294890" indent="0">
+              <a:buNone/>
+              <a:defRPr sz="2675" b="1"/>
             </a:lvl4pPr>
-            <a:lvl5pPr marL="3060131" indent="0">
-              <a:buNone/>
-              <a:defRPr sz="2677" b="1"/>
+            <a:lvl5pPr marL="3060065" indent="0">
+              <a:buNone/>
+              <a:defRPr sz="2675" b="1"/>
             </a:lvl5pPr>
-            <a:lvl6pPr marL="3825164" indent="0">
-              <a:buNone/>
-              <a:defRPr sz="2677" b="1"/>
+            <a:lvl6pPr marL="3825240" indent="0">
+              <a:buNone/>
+              <a:defRPr sz="2675" b="1"/>
             </a:lvl6pPr>
-            <a:lvl7pPr marL="4590197" indent="0">
-              <a:buNone/>
-              <a:defRPr sz="2677" b="1"/>
+            <a:lvl7pPr marL="4590415" indent="0">
+              <a:buNone/>
+              <a:defRPr sz="2675" b="1"/>
             </a:lvl7pPr>
-            <a:lvl8pPr marL="5355229" indent="0">
-              <a:buNone/>
-              <a:defRPr sz="2677" b="1"/>
+            <a:lvl8pPr marL="5354955" indent="0">
+              <a:buNone/>
+              <a:defRPr sz="2675" b="1"/>
             </a:lvl8pPr>
-            <a:lvl9pPr marL="6120262" indent="0">
-              <a:buNone/>
-              <a:defRPr sz="2677" b="1"/>
+            <a:lvl9pPr marL="6120130" indent="0">
+              <a:buNone/>
+              <a:defRPr sz="2675" b="1"/>
             </a:lvl9pPr>
           </a:lstStyle>
           <a:p>
@@ -1416,6 +1392,7 @@
               <a:rPr lang="en-US"/>
               <a:t>Click to edit Master text styles</a:t>
             </a:r>
+            <a:endParaRPr lang="en-US"/>
           </a:p>
         </p:txBody>
       </p:sp>
@@ -1444,6 +1421,7 @@
               <a:rPr lang="en-US"/>
               <a:t>Click to edit Master text styles</a:t>
             </a:r>
+            <a:endParaRPr lang="en-US"/>
           </a:p>
           <a:p>
             <a:pPr lvl="1"/>
@@ -1451,6 +1429,7 @@
               <a:rPr lang="en-US"/>
               <a:t>Second level</a:t>
             </a:r>
+            <a:endParaRPr lang="en-US"/>
           </a:p>
           <a:p>
             <a:pPr lvl="2"/>
@@ -1458,6 +1437,7 @@
               <a:rPr lang="en-US"/>
               <a:t>Third level</a:t>
             </a:r>
+            <a:endParaRPr lang="en-US"/>
           </a:p>
           <a:p>
             <a:pPr lvl="3"/>
@@ -1465,6 +1445,7 @@
               <a:rPr lang="en-US"/>
               <a:t>Fourth level</a:t>
             </a:r>
+            <a:endParaRPr lang="en-US"/>
           </a:p>
           <a:p>
             <a:pPr lvl="4"/>
@@ -1497,39 +1478,39 @@
           <a:lstStyle>
             <a:lvl1pPr marL="0" indent="0">
               <a:buNone/>
-              <a:defRPr sz="4016" b="1"/>
+              <a:defRPr sz="4015" b="1"/>
             </a:lvl1pPr>
-            <a:lvl2pPr marL="765033" indent="0">
-              <a:buNone/>
-              <a:defRPr sz="3347" b="1"/>
+            <a:lvl2pPr marL="765175" indent="0">
+              <a:buNone/>
+              <a:defRPr sz="3345" b="1"/>
             </a:lvl2pPr>
-            <a:lvl3pPr marL="1530066" indent="0">
-              <a:buNone/>
-              <a:defRPr sz="3012" b="1"/>
+            <a:lvl3pPr marL="1530350" indent="0">
+              <a:buNone/>
+              <a:defRPr sz="3010" b="1"/>
             </a:lvl3pPr>
-            <a:lvl4pPr marL="2295098" indent="0">
-              <a:buNone/>
-              <a:defRPr sz="2677" b="1"/>
+            <a:lvl4pPr marL="2294890" indent="0">
+              <a:buNone/>
+              <a:defRPr sz="2675" b="1"/>
             </a:lvl4pPr>
-            <a:lvl5pPr marL="3060131" indent="0">
-              <a:buNone/>
-              <a:defRPr sz="2677" b="1"/>
+            <a:lvl5pPr marL="3060065" indent="0">
+              <a:buNone/>
+              <a:defRPr sz="2675" b="1"/>
             </a:lvl5pPr>
-            <a:lvl6pPr marL="3825164" indent="0">
-              <a:buNone/>
-              <a:defRPr sz="2677" b="1"/>
+            <a:lvl6pPr marL="3825240" indent="0">
+              <a:buNone/>
+              <a:defRPr sz="2675" b="1"/>
             </a:lvl6pPr>
-            <a:lvl7pPr marL="4590197" indent="0">
-              <a:buNone/>
-              <a:defRPr sz="2677" b="1"/>
+            <a:lvl7pPr marL="4590415" indent="0">
+              <a:buNone/>
+              <a:defRPr sz="2675" b="1"/>
             </a:lvl7pPr>
-            <a:lvl8pPr marL="5355229" indent="0">
-              <a:buNone/>
-              <a:defRPr sz="2677" b="1"/>
+            <a:lvl8pPr marL="5354955" indent="0">
+              <a:buNone/>
+              <a:defRPr sz="2675" b="1"/>
             </a:lvl8pPr>
-            <a:lvl9pPr marL="6120262" indent="0">
-              <a:buNone/>
-              <a:defRPr sz="2677" b="1"/>
+            <a:lvl9pPr marL="6120130" indent="0">
+              <a:buNone/>
+              <a:defRPr sz="2675" b="1"/>
             </a:lvl9pPr>
           </a:lstStyle>
           <a:p>
@@ -1538,6 +1519,7 @@
               <a:rPr lang="en-US"/>
               <a:t>Click to edit Master text styles</a:t>
             </a:r>
+            <a:endParaRPr lang="en-US"/>
           </a:p>
         </p:txBody>
       </p:sp>
@@ -1566,6 +1548,7 @@
               <a:rPr lang="en-US"/>
               <a:t>Click to edit Master text styles</a:t>
             </a:r>
+            <a:endParaRPr lang="en-US"/>
           </a:p>
           <a:p>
             <a:pPr lvl="1"/>
@@ -1573,6 +1556,7 @@
               <a:rPr lang="en-US"/>
               <a:t>Second level</a:t>
             </a:r>
+            <a:endParaRPr lang="en-US"/>
           </a:p>
           <a:p>
             <a:pPr lvl="2"/>
@@ -1580,6 +1564,7 @@
               <a:rPr lang="en-US"/>
               <a:t>Third level</a:t>
             </a:r>
+            <a:endParaRPr lang="en-US"/>
           </a:p>
           <a:p>
             <a:pPr lvl="3"/>
@@ -1587,6 +1572,7 @@
               <a:rPr lang="en-US"/>
               <a:t>Fourth level</a:t>
             </a:r>
+            <a:endParaRPr lang="en-US"/>
           </a:p>
           <a:p>
             <a:pPr lvl="4"/>
@@ -1615,7 +1601,6 @@
           <a:p>
             <a:fld id="{68E48915-0A4D-4805-81D4-E38422F4F74A}" type="datetimeFigureOut">
               <a:rPr lang="en-IN" smtClean="0"/>
-              <a:t>08-05-2022</a:t>
             </a:fld>
             <a:endParaRPr lang="en-IN"/>
           </a:p>
@@ -1657,18 +1642,12 @@
           <a:p>
             <a:fld id="{A68D20A3-0947-4B9B-87D6-F5920A7F179E}" type="slidenum">
               <a:rPr lang="en-IN" smtClean="0"/>
-              <a:t>‹#›</a:t>
             </a:fld>
             <a:endParaRPr lang="en-IN"/>
           </a:p>
         </p:txBody>
       </p:sp>
     </p:spTree>
-    <p:extLst>
-      <p:ext uri="{BB962C8B-B14F-4D97-AF65-F5344CB8AC3E}">
-        <p14:creationId xmlns:p14="http://schemas.microsoft.com/office/powerpoint/2010/main" val="1667631238"/>
-      </p:ext>
-    </p:extLst>
   </p:cSld>
   <p:clrMapOvr>
     <a:masterClrMapping/>
@@ -1733,7 +1712,6 @@
           <a:p>
             <a:fld id="{68E48915-0A4D-4805-81D4-E38422F4F74A}" type="datetimeFigureOut">
               <a:rPr lang="en-IN" smtClean="0"/>
-              <a:t>08-05-2022</a:t>
             </a:fld>
             <a:endParaRPr lang="en-IN"/>
           </a:p>
@@ -1775,18 +1753,12 @@
           <a:p>
             <a:fld id="{A68D20A3-0947-4B9B-87D6-F5920A7F179E}" type="slidenum">
               <a:rPr lang="en-IN" smtClean="0"/>
-              <a:t>‹#›</a:t>
             </a:fld>
             <a:endParaRPr lang="en-IN"/>
           </a:p>
         </p:txBody>
       </p:sp>
     </p:spTree>
-    <p:extLst>
-      <p:ext uri="{BB962C8B-B14F-4D97-AF65-F5344CB8AC3E}">
-        <p14:creationId xmlns:p14="http://schemas.microsoft.com/office/powerpoint/2010/main" val="957547106"/>
-      </p:ext>
-    </p:extLst>
   </p:cSld>
   <p:clrMapOvr>
     <a:masterClrMapping/>
@@ -1828,7 +1800,6 @@
           <a:p>
             <a:fld id="{68E48915-0A4D-4805-81D4-E38422F4F74A}" type="datetimeFigureOut">
               <a:rPr lang="en-IN" smtClean="0"/>
-              <a:t>08-05-2022</a:t>
             </a:fld>
             <a:endParaRPr lang="en-IN"/>
           </a:p>
@@ -1870,18 +1841,12 @@
           <a:p>
             <a:fld id="{A68D20A3-0947-4B9B-87D6-F5920A7F179E}" type="slidenum">
               <a:rPr lang="en-IN" smtClean="0"/>
-              <a:t>‹#›</a:t>
             </a:fld>
             <a:endParaRPr lang="en-IN"/>
           </a:p>
         </p:txBody>
       </p:sp>
     </p:spTree>
-    <p:extLst>
-      <p:ext uri="{BB962C8B-B14F-4D97-AF65-F5344CB8AC3E}">
-        <p14:creationId xmlns:p14="http://schemas.microsoft.com/office/powerpoint/2010/main" val="1512909268"/>
-      </p:ext>
-    </p:extLst>
   </p:cSld>
   <p:clrMapOvr>
     <a:masterClrMapping/>
@@ -1964,25 +1929,25 @@
               <a:defRPr sz="4685"/>
             </a:lvl2pPr>
             <a:lvl3pPr>
-              <a:defRPr sz="4016"/>
+              <a:defRPr sz="4015"/>
             </a:lvl3pPr>
             <a:lvl4pPr>
-              <a:defRPr sz="3347"/>
+              <a:defRPr sz="3345"/>
             </a:lvl4pPr>
             <a:lvl5pPr>
-              <a:defRPr sz="3347"/>
+              <a:defRPr sz="3345"/>
             </a:lvl5pPr>
             <a:lvl6pPr>
-              <a:defRPr sz="3347"/>
+              <a:defRPr sz="3345"/>
             </a:lvl6pPr>
             <a:lvl7pPr>
-              <a:defRPr sz="3347"/>
+              <a:defRPr sz="3345"/>
             </a:lvl7pPr>
             <a:lvl8pPr>
-              <a:defRPr sz="3347"/>
+              <a:defRPr sz="3345"/>
             </a:lvl8pPr>
             <a:lvl9pPr>
-              <a:defRPr sz="3347"/>
+              <a:defRPr sz="3345"/>
             </a:lvl9pPr>
           </a:lstStyle>
           <a:p>
@@ -1991,6 +1956,7 @@
               <a:rPr lang="en-US"/>
               <a:t>Click to edit Master text styles</a:t>
             </a:r>
+            <a:endParaRPr lang="en-US"/>
           </a:p>
           <a:p>
             <a:pPr lvl="1"/>
@@ -1998,6 +1964,7 @@
               <a:rPr lang="en-US"/>
               <a:t>Second level</a:t>
             </a:r>
+            <a:endParaRPr lang="en-US"/>
           </a:p>
           <a:p>
             <a:pPr lvl="2"/>
@@ -2005,6 +1972,7 @@
               <a:rPr lang="en-US"/>
               <a:t>Third level</a:t>
             </a:r>
+            <a:endParaRPr lang="en-US"/>
           </a:p>
           <a:p>
             <a:pPr lvl="3"/>
@@ -2012,6 +1980,7 @@
               <a:rPr lang="en-US"/>
               <a:t>Fourth level</a:t>
             </a:r>
+            <a:endParaRPr lang="en-US"/>
           </a:p>
           <a:p>
             <a:pPr lvl="4"/>
@@ -2044,39 +2013,39 @@
           <a:lstStyle>
             <a:lvl1pPr marL="0" indent="0">
               <a:buNone/>
-              <a:defRPr sz="2677"/>
+              <a:defRPr sz="2675"/>
             </a:lvl1pPr>
-            <a:lvl2pPr marL="765033" indent="0">
-              <a:buNone/>
-              <a:defRPr sz="2343"/>
+            <a:lvl2pPr marL="765175" indent="0">
+              <a:buNone/>
+              <a:defRPr sz="2345"/>
             </a:lvl2pPr>
-            <a:lvl3pPr marL="1530066" indent="0">
-              <a:buNone/>
-              <a:defRPr sz="2008"/>
+            <a:lvl3pPr marL="1530350" indent="0">
+              <a:buNone/>
+              <a:defRPr sz="2010"/>
             </a:lvl3pPr>
-            <a:lvl4pPr marL="2295098" indent="0">
-              <a:buNone/>
-              <a:defRPr sz="1673"/>
+            <a:lvl4pPr marL="2294890" indent="0">
+              <a:buNone/>
+              <a:defRPr sz="1675"/>
             </a:lvl4pPr>
-            <a:lvl5pPr marL="3060131" indent="0">
-              <a:buNone/>
-              <a:defRPr sz="1673"/>
+            <a:lvl5pPr marL="3060065" indent="0">
+              <a:buNone/>
+              <a:defRPr sz="1675"/>
             </a:lvl5pPr>
-            <a:lvl6pPr marL="3825164" indent="0">
-              <a:buNone/>
-              <a:defRPr sz="1673"/>
+            <a:lvl6pPr marL="3825240" indent="0">
+              <a:buNone/>
+              <a:defRPr sz="1675"/>
             </a:lvl6pPr>
-            <a:lvl7pPr marL="4590197" indent="0">
-              <a:buNone/>
-              <a:defRPr sz="1673"/>
+            <a:lvl7pPr marL="4590415" indent="0">
+              <a:buNone/>
+              <a:defRPr sz="1675"/>
             </a:lvl7pPr>
-            <a:lvl8pPr marL="5355229" indent="0">
-              <a:buNone/>
-              <a:defRPr sz="1673"/>
+            <a:lvl8pPr marL="5354955" indent="0">
+              <a:buNone/>
+              <a:defRPr sz="1675"/>
             </a:lvl8pPr>
-            <a:lvl9pPr marL="6120262" indent="0">
-              <a:buNone/>
-              <a:defRPr sz="1673"/>
+            <a:lvl9pPr marL="6120130" indent="0">
+              <a:buNone/>
+              <a:defRPr sz="1675"/>
             </a:lvl9pPr>
           </a:lstStyle>
           <a:p>
@@ -2085,6 +2054,7 @@
               <a:rPr lang="en-US"/>
               <a:t>Click to edit Master text styles</a:t>
             </a:r>
+            <a:endParaRPr lang="en-US"/>
           </a:p>
         </p:txBody>
       </p:sp>
@@ -2105,7 +2075,6 @@
           <a:p>
             <a:fld id="{68E48915-0A4D-4805-81D4-E38422F4F74A}" type="datetimeFigureOut">
               <a:rPr lang="en-IN" smtClean="0"/>
-              <a:t>08-05-2022</a:t>
             </a:fld>
             <a:endParaRPr lang="en-IN"/>
           </a:p>
@@ -2147,18 +2116,12 @@
           <a:p>
             <a:fld id="{A68D20A3-0947-4B9B-87D6-F5920A7F179E}" type="slidenum">
               <a:rPr lang="en-IN" smtClean="0"/>
-              <a:t>‹#›</a:t>
             </a:fld>
             <a:endParaRPr lang="en-IN"/>
           </a:p>
         </p:txBody>
       </p:sp>
     </p:spTree>
-    <p:extLst>
-      <p:ext uri="{BB962C8B-B14F-4D97-AF65-F5344CB8AC3E}">
-        <p14:creationId xmlns:p14="http://schemas.microsoft.com/office/powerpoint/2010/main" val="3061038499"/>
-      </p:ext>
-    </p:extLst>
   </p:cSld>
   <p:clrMapOvr>
     <a:masterClrMapping/>
@@ -2238,37 +2201,37 @@
               <a:buNone/>
               <a:defRPr sz="5355"/>
             </a:lvl1pPr>
-            <a:lvl2pPr marL="765033" indent="0">
+            <a:lvl2pPr marL="765175" indent="0">
               <a:buNone/>
               <a:defRPr sz="4685"/>
             </a:lvl2pPr>
-            <a:lvl3pPr marL="1530066" indent="0">
-              <a:buNone/>
-              <a:defRPr sz="4016"/>
+            <a:lvl3pPr marL="1530350" indent="0">
+              <a:buNone/>
+              <a:defRPr sz="4015"/>
             </a:lvl3pPr>
-            <a:lvl4pPr marL="2295098" indent="0">
-              <a:buNone/>
-              <a:defRPr sz="3347"/>
+            <a:lvl4pPr marL="2294890" indent="0">
+              <a:buNone/>
+              <a:defRPr sz="3345"/>
             </a:lvl4pPr>
-            <a:lvl5pPr marL="3060131" indent="0">
-              <a:buNone/>
-              <a:defRPr sz="3347"/>
+            <a:lvl5pPr marL="3060065" indent="0">
+              <a:buNone/>
+              <a:defRPr sz="3345"/>
             </a:lvl5pPr>
-            <a:lvl6pPr marL="3825164" indent="0">
-              <a:buNone/>
-              <a:defRPr sz="3347"/>
+            <a:lvl6pPr marL="3825240" indent="0">
+              <a:buNone/>
+              <a:defRPr sz="3345"/>
             </a:lvl6pPr>
-            <a:lvl7pPr marL="4590197" indent="0">
-              <a:buNone/>
-              <a:defRPr sz="3347"/>
+            <a:lvl7pPr marL="4590415" indent="0">
+              <a:buNone/>
+              <a:defRPr sz="3345"/>
             </a:lvl7pPr>
-            <a:lvl8pPr marL="5355229" indent="0">
-              <a:buNone/>
-              <a:defRPr sz="3347"/>
+            <a:lvl8pPr marL="5354955" indent="0">
+              <a:buNone/>
+              <a:defRPr sz="3345"/>
             </a:lvl8pPr>
-            <a:lvl9pPr marL="6120262" indent="0">
-              <a:buNone/>
-              <a:defRPr sz="3347"/>
+            <a:lvl9pPr marL="6120130" indent="0">
+              <a:buNone/>
+              <a:defRPr sz="3345"/>
             </a:lvl9pPr>
           </a:lstStyle>
           <a:p>
@@ -2301,39 +2264,39 @@
           <a:lstStyle>
             <a:lvl1pPr marL="0" indent="0">
               <a:buNone/>
-              <a:defRPr sz="2677"/>
+              <a:defRPr sz="2675"/>
             </a:lvl1pPr>
-            <a:lvl2pPr marL="765033" indent="0">
-              <a:buNone/>
-              <a:defRPr sz="2343"/>
+            <a:lvl2pPr marL="765175" indent="0">
+              <a:buNone/>
+              <a:defRPr sz="2345"/>
             </a:lvl2pPr>
-            <a:lvl3pPr marL="1530066" indent="0">
-              <a:buNone/>
-              <a:defRPr sz="2008"/>
+            <a:lvl3pPr marL="1530350" indent="0">
+              <a:buNone/>
+              <a:defRPr sz="2010"/>
             </a:lvl3pPr>
-            <a:lvl4pPr marL="2295098" indent="0">
-              <a:buNone/>
-              <a:defRPr sz="1673"/>
+            <a:lvl4pPr marL="2294890" indent="0">
+              <a:buNone/>
+              <a:defRPr sz="1675"/>
             </a:lvl4pPr>
-            <a:lvl5pPr marL="3060131" indent="0">
-              <a:buNone/>
-              <a:defRPr sz="1673"/>
+            <a:lvl5pPr marL="3060065" indent="0">
+              <a:buNone/>
+              <a:defRPr sz="1675"/>
             </a:lvl5pPr>
-            <a:lvl6pPr marL="3825164" indent="0">
-              <a:buNone/>
-              <a:defRPr sz="1673"/>
+            <a:lvl6pPr marL="3825240" indent="0">
+              <a:buNone/>
+              <a:defRPr sz="1675"/>
             </a:lvl6pPr>
-            <a:lvl7pPr marL="4590197" indent="0">
-              <a:buNone/>
-              <a:defRPr sz="1673"/>
+            <a:lvl7pPr marL="4590415" indent="0">
+              <a:buNone/>
+              <a:defRPr sz="1675"/>
             </a:lvl7pPr>
-            <a:lvl8pPr marL="5355229" indent="0">
-              <a:buNone/>
-              <a:defRPr sz="1673"/>
+            <a:lvl8pPr marL="5354955" indent="0">
+              <a:buNone/>
+              <a:defRPr sz="1675"/>
             </a:lvl8pPr>
-            <a:lvl9pPr marL="6120262" indent="0">
-              <a:buNone/>
-              <a:defRPr sz="1673"/>
+            <a:lvl9pPr marL="6120130" indent="0">
+              <a:buNone/>
+              <a:defRPr sz="1675"/>
             </a:lvl9pPr>
           </a:lstStyle>
           <a:p>
@@ -2342,6 +2305,7 @@
               <a:rPr lang="en-US"/>
               <a:t>Click to edit Master text styles</a:t>
             </a:r>
+            <a:endParaRPr lang="en-US"/>
           </a:p>
         </p:txBody>
       </p:sp>
@@ -2362,7 +2326,6 @@
           <a:p>
             <a:fld id="{68E48915-0A4D-4805-81D4-E38422F4F74A}" type="datetimeFigureOut">
               <a:rPr lang="en-IN" smtClean="0"/>
-              <a:t>08-05-2022</a:t>
             </a:fld>
             <a:endParaRPr lang="en-IN"/>
           </a:p>
@@ -2404,18 +2367,12 @@
           <a:p>
             <a:fld id="{A68D20A3-0947-4B9B-87D6-F5920A7F179E}" type="slidenum">
               <a:rPr lang="en-IN" smtClean="0"/>
-              <a:t>‹#›</a:t>
             </a:fld>
             <a:endParaRPr lang="en-IN"/>
           </a:p>
         </p:txBody>
       </p:sp>
     </p:spTree>
-    <p:extLst>
-      <p:ext uri="{BB962C8B-B14F-4D97-AF65-F5344CB8AC3E}">
-        <p14:creationId xmlns:p14="http://schemas.microsoft.com/office/powerpoint/2010/main" val="1823605686"/>
-      </p:ext>
-    </p:extLst>
   </p:cSld>
   <p:clrMapOvr>
     <a:masterClrMapping/>
@@ -2508,6 +2465,7 @@
               <a:rPr lang="en-US"/>
               <a:t>Click to edit Master text styles</a:t>
             </a:r>
+            <a:endParaRPr lang="en-US"/>
           </a:p>
           <a:p>
             <a:pPr lvl="1"/>
@@ -2515,6 +2473,7 @@
               <a:rPr lang="en-US"/>
               <a:t>Second level</a:t>
             </a:r>
+            <a:endParaRPr lang="en-US"/>
           </a:p>
           <a:p>
             <a:pPr lvl="2"/>
@@ -2522,6 +2481,7 @@
               <a:rPr lang="en-US"/>
               <a:t>Third level</a:t>
             </a:r>
+            <a:endParaRPr lang="en-US"/>
           </a:p>
           <a:p>
             <a:pPr lvl="3"/>
@@ -2529,6 +2489,7 @@
               <a:rPr lang="en-US"/>
               <a:t>Fourth level</a:t>
             </a:r>
+            <a:endParaRPr lang="en-US"/>
           </a:p>
           <a:p>
             <a:pPr lvl="4"/>
@@ -2563,7 +2524,7 @@
           <a:bodyPr vert="horz" lIns="91440" tIns="45720" rIns="91440" bIns="45720" rtlCol="0" anchor="ctr"/>
           <a:lstStyle>
             <a:lvl1pPr algn="l">
-              <a:defRPr sz="2008">
+              <a:defRPr sz="2010">
                 <a:solidFill>
                   <a:schemeClr val="tx1">
                     <a:tint val="75000"/>
@@ -2575,7 +2536,6 @@
           <a:p>
             <a:fld id="{68E48915-0A4D-4805-81D4-E38422F4F74A}" type="datetimeFigureOut">
               <a:rPr lang="en-IN" smtClean="0"/>
-              <a:t>08-05-2022</a:t>
             </a:fld>
             <a:endParaRPr lang="en-IN"/>
           </a:p>
@@ -2604,7 +2564,7 @@
           <a:bodyPr vert="horz" lIns="91440" tIns="45720" rIns="91440" bIns="45720" rtlCol="0" anchor="ctr"/>
           <a:lstStyle>
             <a:lvl1pPr algn="ctr">
-              <a:defRPr sz="2008">
+              <a:defRPr sz="2010">
                 <a:solidFill>
                   <a:schemeClr val="tx1">
                     <a:tint val="75000"/>
@@ -2641,7 +2601,7 @@
           <a:bodyPr vert="horz" lIns="91440" tIns="45720" rIns="91440" bIns="45720" rtlCol="0" anchor="ctr"/>
           <a:lstStyle>
             <a:lvl1pPr algn="r">
-              <a:defRPr sz="2008">
+              <a:defRPr sz="2010">
                 <a:solidFill>
                   <a:schemeClr val="tx1">
                     <a:tint val="75000"/>
@@ -2653,36 +2613,30 @@
           <a:p>
             <a:fld id="{A68D20A3-0947-4B9B-87D6-F5920A7F179E}" type="slidenum">
               <a:rPr lang="en-IN" smtClean="0"/>
-              <a:t>‹#›</a:t>
             </a:fld>
             <a:endParaRPr lang="en-IN"/>
           </a:p>
         </p:txBody>
       </p:sp>
     </p:spTree>
-    <p:extLst>
-      <p:ext uri="{BB962C8B-B14F-4D97-AF65-F5344CB8AC3E}">
-        <p14:creationId xmlns:p14="http://schemas.microsoft.com/office/powerpoint/2010/main" val="2051159283"/>
-      </p:ext>
-    </p:extLst>
   </p:cSld>
   <p:clrMap bg1="lt1" tx1="dk1" bg2="lt2" tx2="dk2" accent1="accent1" accent2="accent2" accent3="accent3" accent4="accent4" accent5="accent5" accent6="accent6" hlink="hlink" folHlink="folHlink"/>
   <p:sldLayoutIdLst>
-    <p:sldLayoutId id="2147483721" r:id="rId1"/>
-    <p:sldLayoutId id="2147483722" r:id="rId2"/>
-    <p:sldLayoutId id="2147483723" r:id="rId3"/>
-    <p:sldLayoutId id="2147483724" r:id="rId4"/>
-    <p:sldLayoutId id="2147483725" r:id="rId5"/>
-    <p:sldLayoutId id="2147483726" r:id="rId6"/>
-    <p:sldLayoutId id="2147483727" r:id="rId7"/>
-    <p:sldLayoutId id="2147483728" r:id="rId8"/>
-    <p:sldLayoutId id="2147483729" r:id="rId9"/>
-    <p:sldLayoutId id="2147483730" r:id="rId10"/>
-    <p:sldLayoutId id="2147483731" r:id="rId11"/>
+    <p:sldLayoutId id="2147483649" r:id="rId1"/>
+    <p:sldLayoutId id="2147483650" r:id="rId2"/>
+    <p:sldLayoutId id="2147483651" r:id="rId3"/>
+    <p:sldLayoutId id="2147483652" r:id="rId4"/>
+    <p:sldLayoutId id="2147483653" r:id="rId5"/>
+    <p:sldLayoutId id="2147483654" r:id="rId6"/>
+    <p:sldLayoutId id="2147483655" r:id="rId7"/>
+    <p:sldLayoutId id="2147483656" r:id="rId8"/>
+    <p:sldLayoutId id="2147483657" r:id="rId9"/>
+    <p:sldLayoutId id="2147483658" r:id="rId10"/>
+    <p:sldLayoutId id="2147483659" r:id="rId11"/>
   </p:sldLayoutIdLst>
   <p:txStyles>
     <p:titleStyle>
-      <a:lvl1pPr algn="l" defTabSz="1530066" rtl="0" eaLnBrk="1" latinLnBrk="0" hangingPunct="1">
+      <a:lvl1pPr algn="l" defTabSz="1530350" rtl="0" eaLnBrk="1" latinLnBrk="0" hangingPunct="1">
         <a:lnSpc>
           <a:spcPct val="90000"/>
         </a:lnSpc>
@@ -2690,7 +2644,7 @@
           <a:spcPct val="0"/>
         </a:spcBef>
         <a:buNone/>
-        <a:defRPr sz="7363" kern="1200">
+        <a:defRPr sz="7365" kern="1200">
           <a:solidFill>
             <a:schemeClr val="tx1"/>
           </a:solidFill>
@@ -2701,12 +2655,12 @@
       </a:lvl1pPr>
     </p:titleStyle>
     <p:bodyStyle>
-      <a:lvl1pPr marL="382516" indent="-382516" algn="l" defTabSz="1530066" rtl="0" eaLnBrk="1" latinLnBrk="0" hangingPunct="1">
+      <a:lvl1pPr marL="382270" indent="-382270" algn="l" defTabSz="1530350" rtl="0" eaLnBrk="1" latinLnBrk="0" hangingPunct="1">
         <a:lnSpc>
           <a:spcPct val="90000"/>
         </a:lnSpc>
         <a:spcBef>
-          <a:spcPts val="1673"/>
+          <a:spcPts val="1675"/>
         </a:spcBef>
         <a:buFont typeface="Arial" panose="020B0604020202020204" pitchFamily="34" charset="0"/>
         <a:buChar char="•"/>
@@ -2719,16 +2673,16 @@
           <a:cs typeface="+mn-cs"/>
         </a:defRPr>
       </a:lvl1pPr>
-      <a:lvl2pPr marL="1147549" indent="-382516" algn="l" defTabSz="1530066" rtl="0" eaLnBrk="1" latinLnBrk="0" hangingPunct="1">
+      <a:lvl2pPr marL="1147445" indent="-382270" algn="l" defTabSz="1530350" rtl="0" eaLnBrk="1" latinLnBrk="0" hangingPunct="1">
         <a:lnSpc>
           <a:spcPct val="90000"/>
         </a:lnSpc>
         <a:spcBef>
-          <a:spcPts val="837"/>
+          <a:spcPts val="835"/>
         </a:spcBef>
         <a:buFont typeface="Arial" panose="020B0604020202020204" pitchFamily="34" charset="0"/>
         <a:buChar char="•"/>
-        <a:defRPr sz="4016" kern="1200">
+        <a:defRPr sz="4015" kern="1200">
           <a:solidFill>
             <a:schemeClr val="tx1"/>
           </a:solidFill>
@@ -2737,16 +2691,16 @@
           <a:cs typeface="+mn-cs"/>
         </a:defRPr>
       </a:lvl2pPr>
-      <a:lvl3pPr marL="1912582" indent="-382516" algn="l" defTabSz="1530066" rtl="0" eaLnBrk="1" latinLnBrk="0" hangingPunct="1">
+      <a:lvl3pPr marL="1912620" indent="-382270" algn="l" defTabSz="1530350" rtl="0" eaLnBrk="1" latinLnBrk="0" hangingPunct="1">
         <a:lnSpc>
           <a:spcPct val="90000"/>
         </a:lnSpc>
         <a:spcBef>
-          <a:spcPts val="837"/>
+          <a:spcPts val="835"/>
         </a:spcBef>
         <a:buFont typeface="Arial" panose="020B0604020202020204" pitchFamily="34" charset="0"/>
         <a:buChar char="•"/>
-        <a:defRPr sz="3347" kern="1200">
+        <a:defRPr sz="3345" kern="1200">
           <a:solidFill>
             <a:schemeClr val="tx1"/>
           </a:solidFill>
@@ -2755,16 +2709,16 @@
           <a:cs typeface="+mn-cs"/>
         </a:defRPr>
       </a:lvl3pPr>
-      <a:lvl4pPr marL="2677615" indent="-382516" algn="l" defTabSz="1530066" rtl="0" eaLnBrk="1" latinLnBrk="0" hangingPunct="1">
+      <a:lvl4pPr marL="2677795" indent="-382270" algn="l" defTabSz="1530350" rtl="0" eaLnBrk="1" latinLnBrk="0" hangingPunct="1">
         <a:lnSpc>
           <a:spcPct val="90000"/>
         </a:lnSpc>
         <a:spcBef>
-          <a:spcPts val="837"/>
+          <a:spcPts val="835"/>
         </a:spcBef>
         <a:buFont typeface="Arial" panose="020B0604020202020204" pitchFamily="34" charset="0"/>
         <a:buChar char="•"/>
-        <a:defRPr sz="3012" kern="1200">
+        <a:defRPr sz="3010" kern="1200">
           <a:solidFill>
             <a:schemeClr val="tx1"/>
           </a:solidFill>
@@ -2773,16 +2727,16 @@
           <a:cs typeface="+mn-cs"/>
         </a:defRPr>
       </a:lvl4pPr>
-      <a:lvl5pPr marL="3442647" indent="-382516" algn="l" defTabSz="1530066" rtl="0" eaLnBrk="1" latinLnBrk="0" hangingPunct="1">
+      <a:lvl5pPr marL="3442335" indent="-382270" algn="l" defTabSz="1530350" rtl="0" eaLnBrk="1" latinLnBrk="0" hangingPunct="1">
         <a:lnSpc>
           <a:spcPct val="90000"/>
         </a:lnSpc>
         <a:spcBef>
-          <a:spcPts val="837"/>
+          <a:spcPts val="835"/>
         </a:spcBef>
         <a:buFont typeface="Arial" panose="020B0604020202020204" pitchFamily="34" charset="0"/>
         <a:buChar char="•"/>
-        <a:defRPr sz="3012" kern="1200">
+        <a:defRPr sz="3010" kern="1200">
           <a:solidFill>
             <a:schemeClr val="tx1"/>
           </a:solidFill>
@@ -2791,16 +2745,16 @@
           <a:cs typeface="+mn-cs"/>
         </a:defRPr>
       </a:lvl5pPr>
-      <a:lvl6pPr marL="4207680" indent="-382516" algn="l" defTabSz="1530066" rtl="0" eaLnBrk="1" latinLnBrk="0" hangingPunct="1">
+      <a:lvl6pPr marL="4207510" indent="-382270" algn="l" defTabSz="1530350" rtl="0" eaLnBrk="1" latinLnBrk="0" hangingPunct="1">
         <a:lnSpc>
           <a:spcPct val="90000"/>
         </a:lnSpc>
         <a:spcBef>
-          <a:spcPts val="837"/>
+          <a:spcPts val="835"/>
         </a:spcBef>
         <a:buFont typeface="Arial" panose="020B0604020202020204" pitchFamily="34" charset="0"/>
         <a:buChar char="•"/>
-        <a:defRPr sz="3012" kern="1200">
+        <a:defRPr sz="3010" kern="1200">
           <a:solidFill>
             <a:schemeClr val="tx1"/>
           </a:solidFill>
@@ -2809,16 +2763,16 @@
           <a:cs typeface="+mn-cs"/>
         </a:defRPr>
       </a:lvl6pPr>
-      <a:lvl7pPr marL="4972713" indent="-382516" algn="l" defTabSz="1530066" rtl="0" eaLnBrk="1" latinLnBrk="0" hangingPunct="1">
+      <a:lvl7pPr marL="4972685" indent="-382270" algn="l" defTabSz="1530350" rtl="0" eaLnBrk="1" latinLnBrk="0" hangingPunct="1">
         <a:lnSpc>
           <a:spcPct val="90000"/>
         </a:lnSpc>
         <a:spcBef>
-          <a:spcPts val="837"/>
+          <a:spcPts val="835"/>
         </a:spcBef>
         <a:buFont typeface="Arial" panose="020B0604020202020204" pitchFamily="34" charset="0"/>
         <a:buChar char="•"/>
-        <a:defRPr sz="3012" kern="1200">
+        <a:defRPr sz="3010" kern="1200">
           <a:solidFill>
             <a:schemeClr val="tx1"/>
           </a:solidFill>
@@ -2827,16 +2781,16 @@
           <a:cs typeface="+mn-cs"/>
         </a:defRPr>
       </a:lvl7pPr>
-      <a:lvl8pPr marL="5737746" indent="-382516" algn="l" defTabSz="1530066" rtl="0" eaLnBrk="1" latinLnBrk="0" hangingPunct="1">
+      <a:lvl8pPr marL="5737860" indent="-382270" algn="l" defTabSz="1530350" rtl="0" eaLnBrk="1" latinLnBrk="0" hangingPunct="1">
         <a:lnSpc>
           <a:spcPct val="90000"/>
         </a:lnSpc>
         <a:spcBef>
-          <a:spcPts val="837"/>
+          <a:spcPts val="835"/>
         </a:spcBef>
         <a:buFont typeface="Arial" panose="020B0604020202020204" pitchFamily="34" charset="0"/>
         <a:buChar char="•"/>
-        <a:defRPr sz="3012" kern="1200">
+        <a:defRPr sz="3010" kern="1200">
           <a:solidFill>
             <a:schemeClr val="tx1"/>
           </a:solidFill>
@@ -2845,16 +2799,16 @@
           <a:cs typeface="+mn-cs"/>
         </a:defRPr>
       </a:lvl8pPr>
-      <a:lvl9pPr marL="6502778" indent="-382516" algn="l" defTabSz="1530066" rtl="0" eaLnBrk="1" latinLnBrk="0" hangingPunct="1">
+      <a:lvl9pPr marL="6503035" indent="-382270" algn="l" defTabSz="1530350" rtl="0" eaLnBrk="1" latinLnBrk="0" hangingPunct="1">
         <a:lnSpc>
           <a:spcPct val="90000"/>
         </a:lnSpc>
         <a:spcBef>
-          <a:spcPts val="837"/>
+          <a:spcPts val="835"/>
         </a:spcBef>
         <a:buFont typeface="Arial" panose="020B0604020202020204" pitchFamily="34" charset="0"/>
         <a:buChar char="•"/>
-        <a:defRPr sz="3012" kern="1200">
+        <a:defRPr sz="3010" kern="1200">
           <a:solidFill>
             <a:schemeClr val="tx1"/>
           </a:solidFill>
@@ -2868,8 +2822,8 @@
       <a:defPPr>
         <a:defRPr lang="en-US"/>
       </a:defPPr>
-      <a:lvl1pPr marL="0" algn="l" defTabSz="1530066" rtl="0" eaLnBrk="1" latinLnBrk="0" hangingPunct="1">
-        <a:defRPr sz="3012" kern="1200">
+      <a:lvl1pPr marL="0" algn="l" defTabSz="1530350" rtl="0" eaLnBrk="1" latinLnBrk="0" hangingPunct="1">
+        <a:defRPr sz="3010" kern="1200">
           <a:solidFill>
             <a:schemeClr val="tx1"/>
           </a:solidFill>
@@ -2878,8 +2832,8 @@
           <a:cs typeface="+mn-cs"/>
         </a:defRPr>
       </a:lvl1pPr>
-      <a:lvl2pPr marL="765033" algn="l" defTabSz="1530066" rtl="0" eaLnBrk="1" latinLnBrk="0" hangingPunct="1">
-        <a:defRPr sz="3012" kern="1200">
+      <a:lvl2pPr marL="765175" algn="l" defTabSz="1530350" rtl="0" eaLnBrk="1" latinLnBrk="0" hangingPunct="1">
+        <a:defRPr sz="3010" kern="1200">
           <a:solidFill>
             <a:schemeClr val="tx1"/>
           </a:solidFill>
@@ -2888,8 +2842,8 @@
           <a:cs typeface="+mn-cs"/>
         </a:defRPr>
       </a:lvl2pPr>
-      <a:lvl3pPr marL="1530066" algn="l" defTabSz="1530066" rtl="0" eaLnBrk="1" latinLnBrk="0" hangingPunct="1">
-        <a:defRPr sz="3012" kern="1200">
+      <a:lvl3pPr marL="1530350" algn="l" defTabSz="1530350" rtl="0" eaLnBrk="1" latinLnBrk="0" hangingPunct="1">
+        <a:defRPr sz="3010" kern="1200">
           <a:solidFill>
             <a:schemeClr val="tx1"/>
           </a:solidFill>
@@ -2898,8 +2852,8 @@
           <a:cs typeface="+mn-cs"/>
         </a:defRPr>
       </a:lvl3pPr>
-      <a:lvl4pPr marL="2295098" algn="l" defTabSz="1530066" rtl="0" eaLnBrk="1" latinLnBrk="0" hangingPunct="1">
-        <a:defRPr sz="3012" kern="1200">
+      <a:lvl4pPr marL="2294890" algn="l" defTabSz="1530350" rtl="0" eaLnBrk="1" latinLnBrk="0" hangingPunct="1">
+        <a:defRPr sz="3010" kern="1200">
           <a:solidFill>
             <a:schemeClr val="tx1"/>
           </a:solidFill>
@@ -2908,8 +2862,8 @@
           <a:cs typeface="+mn-cs"/>
         </a:defRPr>
       </a:lvl4pPr>
-      <a:lvl5pPr marL="3060131" algn="l" defTabSz="1530066" rtl="0" eaLnBrk="1" latinLnBrk="0" hangingPunct="1">
-        <a:defRPr sz="3012" kern="1200">
+      <a:lvl5pPr marL="3060065" algn="l" defTabSz="1530350" rtl="0" eaLnBrk="1" latinLnBrk="0" hangingPunct="1">
+        <a:defRPr sz="3010" kern="1200">
           <a:solidFill>
             <a:schemeClr val="tx1"/>
           </a:solidFill>
@@ -2918,8 +2872,8 @@
           <a:cs typeface="+mn-cs"/>
         </a:defRPr>
       </a:lvl5pPr>
-      <a:lvl6pPr marL="3825164" algn="l" defTabSz="1530066" rtl="0" eaLnBrk="1" latinLnBrk="0" hangingPunct="1">
-        <a:defRPr sz="3012" kern="1200">
+      <a:lvl6pPr marL="3825240" algn="l" defTabSz="1530350" rtl="0" eaLnBrk="1" latinLnBrk="0" hangingPunct="1">
+        <a:defRPr sz="3010" kern="1200">
           <a:solidFill>
             <a:schemeClr val="tx1"/>
           </a:solidFill>
@@ -2928,8 +2882,8 @@
           <a:cs typeface="+mn-cs"/>
         </a:defRPr>
       </a:lvl6pPr>
-      <a:lvl7pPr marL="4590197" algn="l" defTabSz="1530066" rtl="0" eaLnBrk="1" latinLnBrk="0" hangingPunct="1">
-        <a:defRPr sz="3012" kern="1200">
+      <a:lvl7pPr marL="4590415" algn="l" defTabSz="1530350" rtl="0" eaLnBrk="1" latinLnBrk="0" hangingPunct="1">
+        <a:defRPr sz="3010" kern="1200">
           <a:solidFill>
             <a:schemeClr val="tx1"/>
           </a:solidFill>
@@ -2938,8 +2892,8 @@
           <a:cs typeface="+mn-cs"/>
         </a:defRPr>
       </a:lvl7pPr>
-      <a:lvl8pPr marL="5355229" algn="l" defTabSz="1530066" rtl="0" eaLnBrk="1" latinLnBrk="0" hangingPunct="1">
-        <a:defRPr sz="3012" kern="1200">
+      <a:lvl8pPr marL="5354955" algn="l" defTabSz="1530350" rtl="0" eaLnBrk="1" latinLnBrk="0" hangingPunct="1">
+        <a:defRPr sz="3010" kern="1200">
           <a:solidFill>
             <a:schemeClr val="tx1"/>
           </a:solidFill>
@@ -2948,8 +2902,8 @@
           <a:cs typeface="+mn-cs"/>
         </a:defRPr>
       </a:lvl8pPr>
-      <a:lvl9pPr marL="6120262" algn="l" defTabSz="1530066" rtl="0" eaLnBrk="1" latinLnBrk="0" hangingPunct="1">
-        <a:defRPr sz="3012" kern="1200">
+      <a:lvl9pPr marL="6120130" algn="l" defTabSz="1530350" rtl="0" eaLnBrk="1" latinLnBrk="0" hangingPunct="1">
+        <a:defRPr sz="3010" kern="1200">
           <a:solidFill>
             <a:schemeClr val="tx1"/>
           </a:solidFill>
@@ -2982,20 +2936,14 @@
       </p:grpSpPr>
       <p:sp>
         <p:nvSpPr>
-          <p:cNvPr id="4" name="TextBox 3">
-            <a:extLst>
-              <a:ext uri="{FF2B5EF4-FFF2-40B4-BE49-F238E27FC236}">
-                <a16:creationId xmlns:a16="http://schemas.microsoft.com/office/drawing/2014/main" id="{967B4A95-638C-4D32-8635-9DFD59AF25BF}"/>
-              </a:ext>
-            </a:extLst>
-          </p:cNvPr>
+          <p:cNvPr id="4" name="TextBox 3"/>
           <p:cNvSpPr txBox="1"/>
           <p:nvPr/>
         </p:nvSpPr>
         <p:spPr>
           <a:xfrm>
             <a:off x="0" y="717921"/>
-            <a:ext cx="18814794" cy="8863965"/>
+            <a:ext cx="18814794" cy="5724644"/>
           </a:xfrm>
           <a:prstGeom prst="rect">
             <a:avLst/>
@@ -3012,22 +2960,25 @@
               <a:rPr lang="en-US" sz="6600" b="1" dirty="0"/>
               <a:t>     JAHID KHAN</a:t>
             </a:r>
+            <a:endParaRPr lang="en-US" sz="6600" b="1" dirty="0"/>
           </a:p>
           <a:p>
             <a:r>
               <a:rPr lang="en-US" sz="6600" b="1" dirty="0"/>
-              <a:t>      </a:t>
+              <a:t>     </a:t>
             </a:r>
             <a:r>
               <a:rPr lang="en-US" sz="2800" dirty="0"/>
-              <a:t>Youtuber, Web-Developer</a:t>
-            </a:r>
+              <a:t>Web-Developer, Youtuber</a:t>
+            </a:r>
+            <a:endParaRPr lang="en-US" sz="2800" dirty="0"/>
           </a:p>
           <a:p>
             <a:r>
               <a:rPr lang="en-US" sz="6600" b="1" dirty="0"/>
               <a:t>          </a:t>
             </a:r>
+            <a:endParaRPr lang="en-US" sz="6600" b="1" dirty="0"/>
           </a:p>
           <a:p>
             <a:endParaRPr lang="en-US" sz="6600" b="1" dirty="0"/>
@@ -3039,7 +2990,7 @@
                   <a:srgbClr val="0070C0"/>
                 </a:solidFill>
               </a:rPr>
-              <a:t>     </a:t>
+              <a:t>  </a:t>
             </a:r>
             <a:r>
               <a:rPr lang="en-US" sz="4800" b="1" dirty="0">
@@ -3047,7 +2998,56 @@
                   <a:srgbClr val="0070C0"/>
                 </a:solidFill>
               </a:rPr>
-              <a:t>SKILLS :</a:t>
+              <a:t>SKILLS :  </a:t>
+            </a:r>
+            <a:r>
+              <a:rPr lang="en-US" sz="3600" b="1" dirty="0">
+                <a:solidFill>
+                  <a:schemeClr val="bg2">
+                    <a:lumMod val="10000"/>
+                  </a:schemeClr>
+                </a:solidFill>
+              </a:rPr>
+              <a:t>HTML, CSS, </a:t>
+            </a:r>
+            <a:r>
+              <a:rPr lang="en-US" sz="3600" b="1" dirty="0" err="1">
+                <a:solidFill>
+                  <a:schemeClr val="bg2">
+                    <a:lumMod val="10000"/>
+                  </a:schemeClr>
+                </a:solidFill>
+              </a:rPr>
+              <a:t>Javascript</a:t>
+            </a:r>
+            <a:r>
+              <a:rPr lang="en-US" sz="3600" b="1" dirty="0">
+                <a:solidFill>
+                  <a:schemeClr val="bg2">
+                    <a:lumMod val="10000"/>
+                  </a:schemeClr>
+                </a:solidFill>
+              </a:rPr>
+              <a:t>, Bootstrap, React, NodeJS, Express, </a:t>
+            </a:r>
+            <a:endParaRPr lang="en-US" sz="3600" b="1" dirty="0">
+              <a:solidFill>
+                <a:schemeClr val="bg2">
+                  <a:lumMod val="10000"/>
+                </a:schemeClr>
+              </a:solidFill>
+            </a:endParaRPr>
+          </a:p>
+          <a:p>
+            <a:r>
+              <a:rPr lang="en-US" sz="3600" b="1" dirty="0">
+                <a:solidFill>
+                  <a:schemeClr val="bg2">
+                    <a:lumMod val="10000"/>
+                  </a:schemeClr>
+                </a:solidFill>
+              </a:rPr>
+              <a:t>                        MongoDB, Graphic Designing, Video Editing</a:t>
             </a:r>
             <a:endParaRPr lang="en-US" sz="4800" dirty="0">
               <a:solidFill>
@@ -3055,94 +3055,18 @@
               </a:solidFill>
             </a:endParaRPr>
           </a:p>
-          <a:p>
-            <a:pPr marL="1359940" indent="-1359940">
-              <a:buFont typeface="Arial" panose="020B0604020202020204" pitchFamily="34" charset="0"/>
-              <a:buChar char="•"/>
-            </a:pPr>
-            <a:r>
-              <a:rPr lang="en-US" sz="4800" dirty="0">
-                <a:solidFill>
-                  <a:srgbClr val="000000"/>
-                </a:solidFill>
-              </a:rPr>
-              <a:t>HTML</a:t>
-            </a:r>
-          </a:p>
-          <a:p>
-            <a:pPr marL="1359940" indent="-1359940">
-              <a:buFont typeface="Arial" panose="020B0604020202020204" pitchFamily="34" charset="0"/>
-              <a:buChar char="•"/>
-            </a:pPr>
-            <a:r>
-              <a:rPr lang="en-US" sz="4800" dirty="0">
-                <a:solidFill>
-                  <a:srgbClr val="000000"/>
-                </a:solidFill>
-              </a:rPr>
-              <a:t>CSS</a:t>
-            </a:r>
-          </a:p>
-          <a:p>
-            <a:pPr marL="1359940" indent="-1359940">
-              <a:buFont typeface="Arial" panose="020B0604020202020204" pitchFamily="34" charset="0"/>
-              <a:buChar char="•"/>
-            </a:pPr>
-            <a:r>
-              <a:rPr lang="en-US" sz="4800" dirty="0">
-                <a:solidFill>
-                  <a:srgbClr val="000000"/>
-                </a:solidFill>
-              </a:rPr>
-              <a:t>JavaScript</a:t>
-            </a:r>
-          </a:p>
-          <a:p>
-            <a:pPr marL="1359940" indent="-1359940">
-              <a:buFont typeface="Arial" panose="020B0604020202020204" pitchFamily="34" charset="0"/>
-              <a:buChar char="•"/>
-            </a:pPr>
-            <a:r>
-              <a:rPr lang="en-US" sz="4800" dirty="0">
-                <a:solidFill>
-                  <a:srgbClr val="000000"/>
-                </a:solidFill>
-              </a:rPr>
-              <a:t>Graphic Designing</a:t>
-            </a:r>
-          </a:p>
-          <a:p>
-            <a:pPr marL="1359940" indent="-1359940">
-              <a:buFont typeface="Arial" panose="020B0604020202020204" pitchFamily="34" charset="0"/>
-              <a:buChar char="•"/>
-            </a:pPr>
-            <a:r>
-              <a:rPr lang="en-US" sz="4800" dirty="0">
-                <a:solidFill>
-                  <a:srgbClr val="000000"/>
-                </a:solidFill>
-              </a:rPr>
-              <a:t>Video Editing</a:t>
-            </a:r>
-          </a:p>
-        </p:txBody>
-      </p:sp>
-      <p:sp>
-        <p:nvSpPr>
-          <p:cNvPr id="10" name="TextBox 9">
-            <a:extLst>
-              <a:ext uri="{FF2B5EF4-FFF2-40B4-BE49-F238E27FC236}">
-                <a16:creationId xmlns:a16="http://schemas.microsoft.com/office/drawing/2014/main" id="{E1D7CE0E-4FF6-432A-8979-A49D6DB7AF95}"/>
-              </a:ext>
-            </a:extLst>
-          </p:cNvPr>
+        </p:txBody>
+      </p:sp>
+      <p:sp>
+        <p:nvSpPr>
+          <p:cNvPr id="10" name="TextBox 9"/>
           <p:cNvSpPr txBox="1"/>
           <p:nvPr/>
         </p:nvSpPr>
         <p:spPr>
           <a:xfrm>
-            <a:off x="8202033" y="717921"/>
-            <a:ext cx="8190492" cy="3416320"/>
+            <a:off x="7821136" y="717901"/>
+            <a:ext cx="8190492" cy="2306955"/>
           </a:xfrm>
           <a:prstGeom prst="rect">
             <a:avLst/>
@@ -3161,7 +3085,7 @@
             </a:r>
             <a:r>
               <a:rPr lang="en-US" sz="3600" dirty="0">
-                <a:hlinkClick r:id="rId2"/>
+                <a:hlinkClick r:id="rId1"/>
               </a:rPr>
               <a:t>jahidkhan777367@gmail.com</a:t>
             </a:r>
@@ -3172,17 +3096,21 @@
               <a:rPr lang="en-US" sz="3600" dirty="0"/>
               <a:t>LinkedIn : Jahid Khan</a:t>
             </a:r>
+            <a:endParaRPr lang="en-US" sz="3600" dirty="0"/>
           </a:p>
           <a:p>
             <a:r>
               <a:rPr lang="en-US" sz="3600" dirty="0"/>
-              <a:t>YouTube : Techy Web Dev</a:t>
-            </a:r>
-          </a:p>
-          <a:p>
-            <a:endParaRPr lang="en-US" sz="3600" dirty="0"/>
-          </a:p>
-          <a:p>
+              <a:t>Website: jahidkhan</a:t>
+            </a:r>
+            <a:r>
+              <a:rPr lang="en-IN" altLang="en-US" sz="3600" dirty="0"/>
+              <a:t>portfolio</a:t>
+            </a:r>
+            <a:r>
+              <a:rPr lang="en-US" sz="3600" dirty="0"/>
+              <a:t>.netlify.app</a:t>
+            </a:r>
             <a:endParaRPr lang="en-US" sz="3600" dirty="0">
               <a:solidFill>
                 <a:srgbClr val="0070C0"/>
@@ -3198,22 +3126,226 @@
           </a:p>
         </p:txBody>
       </p:sp>
-      <p:sp>
-        <p:nvSpPr>
-          <p:cNvPr id="12" name="TextBox 11">
-            <a:extLst>
-              <a:ext uri="{FF2B5EF4-FFF2-40B4-BE49-F238E27FC236}">
-                <a16:creationId xmlns:a16="http://schemas.microsoft.com/office/drawing/2014/main" id="{C83807E6-E1D1-4E9B-A2B7-987072E624F0}"/>
-              </a:ext>
-            </a:extLst>
-          </p:cNvPr>
+      <p:graphicFrame>
+        <p:nvGraphicFramePr>
+          <p:cNvPr id="5" name="Table 5"/>
+          <p:cNvGraphicFramePr>
+            <a:graphicFrameLocks noGrp="1"/>
+          </p:cNvGraphicFramePr>
+          <p:nvPr/>
+        </p:nvGraphicFramePr>
+        <p:xfrm>
+          <a:off x="1274075" y="8516580"/>
+          <a:ext cx="12752174" cy="2652413"/>
+        </p:xfrm>
+        <a:graphic>
+          <a:graphicData uri="http://schemas.openxmlformats.org/drawingml/2006/table">
+            <a:tbl>
+              <a:tblPr firstRow="1" bandRow="1">
+                <a:tableStyleId>{5C22544A-7EE6-4342-B048-85BDC9FD1C3A}</a:tableStyleId>
+              </a:tblPr>
+              <a:tblGrid>
+                <a:gridCol w="4426212"/>
+                <a:gridCol w="3323678"/>
+                <a:gridCol w="2316389"/>
+                <a:gridCol w="2685895"/>
+              </a:tblGrid>
+              <a:tr h="1037901">
+                <a:tc>
+                  <a:txBody>
+                    <a:bodyPr/>
+                    <a:lstStyle/>
+                    <a:p>
+                      <a:r>
+                        <a:rPr lang="en-IN" sz="4800" dirty="0"/>
+                        <a:t>Degree/Grade</a:t>
+                      </a:r>
+                      <a:endParaRPr lang="en-IN" sz="4800" dirty="0"/>
+                    </a:p>
+                  </a:txBody>
+                  <a:tcPr/>
+                </a:tc>
+                <a:tc>
+                  <a:txBody>
+                    <a:bodyPr/>
+                    <a:lstStyle/>
+                    <a:p>
+                      <a:r>
+                        <a:rPr lang="en-IN" sz="4800" dirty="0"/>
+                        <a:t>Institution</a:t>
+                      </a:r>
+                      <a:endParaRPr lang="en-IN" sz="4800" dirty="0"/>
+                    </a:p>
+                  </a:txBody>
+                  <a:tcPr/>
+                </a:tc>
+                <a:tc>
+                  <a:txBody>
+                    <a:bodyPr/>
+                    <a:lstStyle/>
+                    <a:p>
+                      <a:r>
+                        <a:rPr lang="en-IN" sz="4800" dirty="0"/>
+                        <a:t>Score</a:t>
+                      </a:r>
+                      <a:endParaRPr lang="en-IN" sz="4800" dirty="0"/>
+                    </a:p>
+                  </a:txBody>
+                  <a:tcPr/>
+                </a:tc>
+                <a:tc>
+                  <a:txBody>
+                    <a:bodyPr/>
+                    <a:lstStyle/>
+                    <a:p>
+                      <a:r>
+                        <a:rPr lang="en-IN" sz="4800" dirty="0"/>
+                        <a:t>Year</a:t>
+                      </a:r>
+                      <a:endParaRPr lang="en-IN" sz="4800" dirty="0"/>
+                    </a:p>
+                  </a:txBody>
+                  <a:tcPr/>
+                </a:tc>
+              </a:tr>
+              <a:tr h="807256">
+                <a:tc>
+                  <a:txBody>
+                    <a:bodyPr/>
+                    <a:lstStyle/>
+                    <a:p>
+                      <a:r>
+                        <a:rPr lang="en-IN" sz="3600" dirty="0"/>
+                        <a:t>B-Tech IT</a:t>
+                      </a:r>
+                      <a:endParaRPr lang="en-IN" sz="3600" dirty="0"/>
+                    </a:p>
+                  </a:txBody>
+                  <a:tcPr/>
+                </a:tc>
+                <a:tc>
+                  <a:txBody>
+                    <a:bodyPr/>
+                    <a:lstStyle/>
+                    <a:p>
+                      <a:r>
+                        <a:rPr lang="en-IN" sz="3600" dirty="0"/>
+                        <a:t>BPIT (Delhi)</a:t>
+                      </a:r>
+                      <a:endParaRPr lang="en-IN" sz="3600" dirty="0"/>
+                    </a:p>
+                  </a:txBody>
+                  <a:tcPr/>
+                </a:tc>
+                <a:tc>
+                  <a:txBody>
+                    <a:bodyPr/>
+                    <a:lstStyle/>
+                    <a:p>
+                      <a:r>
+                        <a:rPr lang="en-IN" dirty="0"/>
+                        <a:t>----</a:t>
+                      </a:r>
+                      <a:endParaRPr lang="en-IN" dirty="0"/>
+                    </a:p>
+                  </a:txBody>
+                  <a:tcPr/>
+                </a:tc>
+                <a:tc>
+                  <a:txBody>
+                    <a:bodyPr/>
+                    <a:lstStyle/>
+                    <a:p>
+                      <a:r>
+                        <a:rPr lang="en-IN" sz="3600" dirty="0"/>
+                        <a:t>2021-2025</a:t>
+                      </a:r>
+                      <a:endParaRPr lang="en-IN" sz="3600" dirty="0"/>
+                    </a:p>
+                  </a:txBody>
+                  <a:tcPr/>
+                </a:tc>
+              </a:tr>
+              <a:tr h="807256">
+                <a:tc>
+                  <a:txBody>
+                    <a:bodyPr/>
+                    <a:lstStyle/>
+                    <a:p>
+                      <a:r>
+                        <a:rPr lang="en-IN" sz="3600" dirty="0"/>
+                        <a:t>12</a:t>
+                      </a:r>
+                      <a:r>
+                        <a:rPr lang="en-IN" sz="3600" baseline="30000" dirty="0"/>
+                        <a:t>th</a:t>
+                      </a:r>
+                      <a:r>
+                        <a:rPr lang="en-IN" sz="3600" dirty="0"/>
+                        <a:t> </a:t>
+                      </a:r>
+                      <a:endParaRPr lang="en-IN" sz="3600" dirty="0"/>
+                    </a:p>
+                  </a:txBody>
+                  <a:tcPr/>
+                </a:tc>
+                <a:tc>
+                  <a:txBody>
+                    <a:bodyPr/>
+                    <a:lstStyle/>
+                    <a:p>
+                      <a:r>
+                        <a:rPr lang="en-IN" sz="3600" dirty="0"/>
+                        <a:t>CBSE- Delhi</a:t>
+                      </a:r>
+                      <a:endParaRPr lang="en-IN" sz="3600" dirty="0"/>
+                    </a:p>
+                  </a:txBody>
+                  <a:tcPr/>
+                </a:tc>
+                <a:tc>
+                  <a:txBody>
+                    <a:bodyPr/>
+                    <a:lstStyle/>
+                    <a:p>
+                      <a:r>
+                        <a:rPr lang="en-IN" sz="3600" dirty="0"/>
+                        <a:t>89%</a:t>
+                      </a:r>
+                      <a:endParaRPr lang="en-IN" sz="3600" dirty="0"/>
+                    </a:p>
+                  </a:txBody>
+                  <a:tcPr/>
+                </a:tc>
+                <a:tc>
+                  <a:txBody>
+                    <a:bodyPr/>
+                    <a:lstStyle/>
+                    <a:p>
+                      <a:r>
+                        <a:rPr lang="en-IN" sz="3600" dirty="0"/>
+                        <a:t>2021 </a:t>
+                      </a:r>
+                      <a:endParaRPr lang="en-IN" sz="3600" dirty="0"/>
+                    </a:p>
+                  </a:txBody>
+                  <a:tcPr/>
+                </a:tc>
+              </a:tr>
+            </a:tbl>
+          </a:graphicData>
+        </a:graphic>
+      </p:graphicFrame>
+      <p:sp>
+        <p:nvSpPr>
+          <p:cNvPr id="14" name="TextBox 13"/>
           <p:cNvSpPr txBox="1"/>
           <p:nvPr/>
         </p:nvSpPr>
         <p:spPr>
           <a:xfrm>
-            <a:off x="8562135" y="4921302"/>
-            <a:ext cx="24177111" cy="830997"/>
+            <a:off x="345990" y="7593250"/>
+            <a:ext cx="12474146" cy="923330"/>
           </a:xfrm>
           <a:prstGeom prst="rect">
             <a:avLst/>
@@ -3221,38 +3353,41 @@
           <a:noFill/>
         </p:spPr>
         <p:txBody>
-          <a:bodyPr wrap="square" rtlCol="0">
+          <a:bodyPr wrap="square">
             <a:spAutoFit/>
           </a:bodyPr>
           <a:lstStyle/>
           <a:p>
             <a:r>
-              <a:rPr lang="en-US" sz="4800" b="1" dirty="0">
+              <a:rPr lang="en-US" sz="5400" b="1" dirty="0">
                 <a:solidFill>
                   <a:srgbClr val="0070C0"/>
                 </a:solidFill>
               </a:rPr>
-              <a:t>TOOLS I USE :</a:t>
-            </a:r>
-          </a:p>
-        </p:txBody>
-      </p:sp>
-      <p:sp>
-        <p:nvSpPr>
-          <p:cNvPr id="13" name="TextBox 12">
-            <a:extLst>
-              <a:ext uri="{FF2B5EF4-FFF2-40B4-BE49-F238E27FC236}">
-                <a16:creationId xmlns:a16="http://schemas.microsoft.com/office/drawing/2014/main" id="{B19AEC77-2764-479E-B997-44AC096A7D59}"/>
-              </a:ext>
-            </a:extLst>
-          </p:cNvPr>
+              <a:t>Education:</a:t>
+            </a:r>
+            <a:r>
+              <a:rPr lang="en-US" sz="1800" b="1" dirty="0">
+                <a:solidFill>
+                  <a:srgbClr val="0070C0"/>
+                </a:solidFill>
+              </a:rPr>
+              <a:t> </a:t>
+            </a:r>
+            <a:endParaRPr lang="en-IN" dirty="0"/>
+          </a:p>
+        </p:txBody>
+      </p:sp>
+      <p:sp>
+        <p:nvSpPr>
+          <p:cNvPr id="15" name="TextBox 14"/>
           <p:cNvSpPr txBox="1"/>
           <p:nvPr/>
         </p:nvSpPr>
         <p:spPr>
           <a:xfrm>
-            <a:off x="8562135" y="5980899"/>
-            <a:ext cx="4990096" cy="4884542"/>
+            <a:off x="346075" y="12728575"/>
+            <a:ext cx="12473305" cy="3291840"/>
           </a:xfrm>
           <a:prstGeom prst="rect">
             <a:avLst/>
@@ -3260,75 +3395,82 @@
           <a:noFill/>
         </p:spPr>
         <p:txBody>
-          <a:bodyPr wrap="square" rtlCol="0">
+          <a:bodyPr wrap="square">
             <a:spAutoFit/>
           </a:bodyPr>
           <a:lstStyle/>
           <a:p>
-            <a:pPr marL="1133289" indent="-1133289">
-              <a:buFont typeface="Arial" panose="020B0604020202020204" pitchFamily="34" charset="0"/>
-              <a:buChar char="•"/>
+            <a:r>
+              <a:rPr lang="en-US" sz="4800" b="1" dirty="0">
+                <a:solidFill>
+                  <a:srgbClr val="0070C0"/>
+                </a:solidFill>
+              </a:rPr>
+              <a:t>Experience: </a:t>
+            </a:r>
+            <a:endParaRPr lang="en-US" sz="4800" b="1" dirty="0">
+              <a:solidFill>
+                <a:srgbClr val="0070C0"/>
+              </a:solidFill>
+            </a:endParaRPr>
+          </a:p>
+          <a:p>
+            <a:pPr marL="571500" indent="-571500">
+              <a:buFont typeface="Symbol" panose="05050102010706020507" pitchFamily="18" charset="2"/>
+              <a:buChar char="Þ"/>
             </a:pPr>
             <a:r>
-              <a:rPr lang="en-US" sz="4800" dirty="0"/>
-              <a:t>VS Code</a:t>
-            </a:r>
-          </a:p>
-          <a:p>
-            <a:pPr marL="1133289" indent="-1133289">
-              <a:buFont typeface="Arial" panose="020B0604020202020204" pitchFamily="34" charset="0"/>
-              <a:buChar char="•"/>
+              <a:rPr lang="en-IN" sz="4000" dirty="0"/>
+              <a:t>Made a multiplayer chess game</a:t>
+            </a:r>
+            <a:endParaRPr lang="en-IN" sz="4000" dirty="0"/>
+          </a:p>
+          <a:p>
+            <a:pPr marL="571500" indent="-571500">
+              <a:buFont typeface="Symbol" panose="05050102010706020507" pitchFamily="18" charset="2"/>
+              <a:buChar char="Þ"/>
             </a:pPr>
             <a:r>
-              <a:rPr lang="en-US" sz="4800" dirty="0"/>
-              <a:t>GitHub</a:t>
-            </a:r>
-          </a:p>
-          <a:p>
-            <a:pPr marL="1133289" indent="-1133289">
-              <a:buFont typeface="Arial" panose="020B0604020202020204" pitchFamily="34" charset="0"/>
-              <a:buChar char="•"/>
+              <a:rPr lang="en-IN" sz="4000" dirty="0"/>
+              <a:t>Made a news website with API</a:t>
+            </a:r>
+            <a:endParaRPr lang="en-IN" sz="4000" dirty="0"/>
+          </a:p>
+          <a:p>
+            <a:pPr marL="571500" indent="-571500">
+              <a:buFont typeface="Symbol" panose="05050102010706020507" pitchFamily="18" charset="2"/>
+              <a:buChar char="Þ"/>
             </a:pPr>
             <a:r>
-              <a:rPr lang="en-US" sz="4800" dirty="0"/>
-              <a:t>Canva</a:t>
-            </a:r>
-          </a:p>
-          <a:p>
-            <a:pPr marL="1133289" indent="-1133289">
-              <a:buFont typeface="Arial" panose="020B0604020202020204" pitchFamily="34" charset="0"/>
-              <a:buChar char="•"/>
+              <a:rPr lang="en-IN" sz="4000" dirty="0"/>
+              <a:t>Made a login/</a:t>
+            </a:r>
+            <a:r>
+              <a:rPr lang="en-IN" sz="4000" dirty="0">
+                <a:sym typeface="+mn-ea"/>
+              </a:rPr>
+              <a:t>signin </a:t>
+            </a:r>
+            <a:r>
+              <a:rPr lang="en-IN" sz="4000" dirty="0"/>
+              <a:t> form</a:t>
+            </a:r>
+            <a:endParaRPr lang="en-IN" sz="4000" dirty="0"/>
+          </a:p>
+          <a:p>
+            <a:pPr marL="571500" indent="-571500">
+              <a:buFont typeface="Symbol" panose="05050102010706020507" pitchFamily="18" charset="2"/>
+              <a:buChar char="Þ"/>
             </a:pPr>
             <a:r>
-              <a:rPr lang="en-US" sz="4800" dirty="0"/>
-              <a:t>Figma</a:t>
-            </a:r>
-          </a:p>
-          <a:p>
-            <a:pPr marL="1133289" indent="-1133289">
-              <a:buFont typeface="Arial" panose="020B0604020202020204" pitchFamily="34" charset="0"/>
-              <a:buChar char="•"/>
-            </a:pPr>
-            <a:r>
-              <a:rPr lang="en-US" sz="4800" dirty="0"/>
-              <a:t>GIMP</a:t>
-            </a:r>
-          </a:p>
-          <a:p>
-            <a:pPr marL="1133289" indent="-1133289">
-              <a:buFont typeface="Arial" panose="020B0604020202020204" pitchFamily="34" charset="0"/>
-              <a:buChar char="•"/>
-            </a:pPr>
-            <a:endParaRPr lang="en-IN" sz="7141" dirty="0"/>
+              <a:rPr lang="en-IN" sz="4000" dirty="0"/>
+              <a:t>Made a group chatting website with login/signin feature</a:t>
+            </a:r>
+            <a:endParaRPr lang="en-IN" sz="4000" dirty="0"/>
           </a:p>
         </p:txBody>
       </p:sp>
     </p:spTree>
-    <p:extLst>
-      <p:ext uri="{BB962C8B-B14F-4D97-AF65-F5344CB8AC3E}">
-        <p14:creationId xmlns:p14="http://schemas.microsoft.com/office/powerpoint/2010/main" val="3315370242"/>
-      </p:ext>
-    </p:extLst>
   </p:cSld>
   <p:clrMapOvr>
     <a:masterClrMapping/>
@@ -3379,7 +3521,7 @@
     </a:clrScheme>
     <a:fontScheme name="Office Theme">
       <a:majorFont>
-        <a:latin typeface="Calibri Light" panose="020F0302020204030204"/>
+        <a:latin typeface="Calibri Light"/>
         <a:ea typeface=""/>
         <a:cs typeface=""/>
         <a:font script="Jpan" typeface="游ゴシック Light"/>
@@ -3414,7 +3556,7 @@
         <a:font script="Geor" typeface="Sylfaen"/>
       </a:majorFont>
       <a:minorFont>
-        <a:latin typeface="Calibri" panose="020F0502020204030204"/>
+        <a:latin typeface="Calibri"/>
         <a:ea typeface=""/>
         <a:cs typeface=""/>
         <a:font script="Jpan" typeface="游ゴシック"/>
@@ -3587,8 +3729,6 @@
       </a:bgFillStyleLst>
     </a:fmtScheme>
   </a:themeElements>
-  <a:objectDefaults/>
-  <a:extraClrSchemeLst/>
   <a:extLst>
     <a:ext uri="{05A4C25C-085E-4340-85A3-A5531E510DB2}">
       <thm15:themeFamily xmlns:thm15="http://schemas.microsoft.com/office/thememl/2012/main" name="Office Theme" id="{62F939B6-93AF-4DB8-9C6B-D6C7DFDC589F}" vid="{4A3C46E8-61CC-4603-A589-7422A47A8E4A}"/>
